--- a/slides/ohmyfood.pptx
+++ b/slides/ohmyfood.pptx
@@ -108,6 +108,11 @@
       </a:defRPr>
     </a:lvl9pPr>
   </p:defaultTextStyle>
+  <p:extLst>
+    <p:ext uri="{EFAFB233-063F-42B5-8137-9DF3F51BA10A}">
+      <p15:sldGuideLst xmlns:p15="http://schemas.microsoft.com/office/powerpoint/2012/main"/>
+    </p:ext>
+  </p:extLst>
 </p:presentation>
 </file>
 
@@ -258,7 +263,7 @@
           <a:p>
             <a:fld id="{D3BA3C64-B70E-4ACB-A701-E36A54D68588}" type="datetimeFigureOut">
               <a:rPr lang="fr-FR" smtClean="0"/>
-              <a:t>02/10/2022</a:t>
+              <a:t>09/10/2022</a:t>
             </a:fld>
             <a:endParaRPr lang="fr-FR"/>
           </a:p>
@@ -456,7 +461,7 @@
           <a:p>
             <a:fld id="{D3BA3C64-B70E-4ACB-A701-E36A54D68588}" type="datetimeFigureOut">
               <a:rPr lang="fr-FR" smtClean="0"/>
-              <a:t>02/10/2022</a:t>
+              <a:t>09/10/2022</a:t>
             </a:fld>
             <a:endParaRPr lang="fr-FR"/>
           </a:p>
@@ -664,7 +669,7 @@
           <a:p>
             <a:fld id="{D3BA3C64-B70E-4ACB-A701-E36A54D68588}" type="datetimeFigureOut">
               <a:rPr lang="fr-FR" smtClean="0"/>
-              <a:t>02/10/2022</a:t>
+              <a:t>09/10/2022</a:t>
             </a:fld>
             <a:endParaRPr lang="fr-FR"/>
           </a:p>
@@ -862,7 +867,7 @@
           <a:p>
             <a:fld id="{D3BA3C64-B70E-4ACB-A701-E36A54D68588}" type="datetimeFigureOut">
               <a:rPr lang="fr-FR" smtClean="0"/>
-              <a:t>02/10/2022</a:t>
+              <a:t>09/10/2022</a:t>
             </a:fld>
             <a:endParaRPr lang="fr-FR"/>
           </a:p>
@@ -1137,7 +1142,7 @@
           <a:p>
             <a:fld id="{D3BA3C64-B70E-4ACB-A701-E36A54D68588}" type="datetimeFigureOut">
               <a:rPr lang="fr-FR" smtClean="0"/>
-              <a:t>02/10/2022</a:t>
+              <a:t>09/10/2022</a:t>
             </a:fld>
             <a:endParaRPr lang="fr-FR"/>
           </a:p>
@@ -1402,7 +1407,7 @@
           <a:p>
             <a:fld id="{D3BA3C64-B70E-4ACB-A701-E36A54D68588}" type="datetimeFigureOut">
               <a:rPr lang="fr-FR" smtClean="0"/>
-              <a:t>02/10/2022</a:t>
+              <a:t>09/10/2022</a:t>
             </a:fld>
             <a:endParaRPr lang="fr-FR"/>
           </a:p>
@@ -1814,7 +1819,7 @@
           <a:p>
             <a:fld id="{D3BA3C64-B70E-4ACB-A701-E36A54D68588}" type="datetimeFigureOut">
               <a:rPr lang="fr-FR" smtClean="0"/>
-              <a:t>02/10/2022</a:t>
+              <a:t>09/10/2022</a:t>
             </a:fld>
             <a:endParaRPr lang="fr-FR"/>
           </a:p>
@@ -1955,7 +1960,7 @@
           <a:p>
             <a:fld id="{D3BA3C64-B70E-4ACB-A701-E36A54D68588}" type="datetimeFigureOut">
               <a:rPr lang="fr-FR" smtClean="0"/>
-              <a:t>02/10/2022</a:t>
+              <a:t>09/10/2022</a:t>
             </a:fld>
             <a:endParaRPr lang="fr-FR"/>
           </a:p>
@@ -2068,7 +2073,7 @@
           <a:p>
             <a:fld id="{D3BA3C64-B70E-4ACB-A701-E36A54D68588}" type="datetimeFigureOut">
               <a:rPr lang="fr-FR" smtClean="0"/>
-              <a:t>02/10/2022</a:t>
+              <a:t>09/10/2022</a:t>
             </a:fld>
             <a:endParaRPr lang="fr-FR"/>
           </a:p>
@@ -2379,7 +2384,7 @@
           <a:p>
             <a:fld id="{D3BA3C64-B70E-4ACB-A701-E36A54D68588}" type="datetimeFigureOut">
               <a:rPr lang="fr-FR" smtClean="0"/>
-              <a:t>02/10/2022</a:t>
+              <a:t>09/10/2022</a:t>
             </a:fld>
             <a:endParaRPr lang="fr-FR"/>
           </a:p>
@@ -2667,7 +2672,7 @@
           <a:p>
             <a:fld id="{D3BA3C64-B70E-4ACB-A701-E36A54D68588}" type="datetimeFigureOut">
               <a:rPr lang="fr-FR" smtClean="0"/>
-              <a:t>02/10/2022</a:t>
+              <a:t>09/10/2022</a:t>
             </a:fld>
             <a:endParaRPr lang="fr-FR"/>
           </a:p>
@@ -2908,7 +2913,7 @@
           <a:p>
             <a:fld id="{D3BA3C64-B70E-4ACB-A701-E36A54D68588}" type="datetimeFigureOut">
               <a:rPr lang="fr-FR" smtClean="0"/>
-              <a:t>02/10/2022</a:t>
+              <a:t>09/10/2022</a:t>
             </a:fld>
             <a:endParaRPr lang="fr-FR"/>
           </a:p>
@@ -3580,8 +3585,12 @@
               <a:t>deskop</a:t>
             </a:r>
             <a:r>
+              <a:rPr lang="fr-FR"/>
+              <a:t> est </a:t>
+            </a:r>
+            <a:r>
               <a:rPr lang="fr-FR" dirty="0"/>
-              <a:t> être libre. </a:t>
+              <a:t>libre. </a:t>
             </a:r>
           </a:p>
           <a:p>
